--- a/CalendarioAgo24/presentaciones/14_POO.pptx
+++ b/CalendarioAgo24/presentaciones/14_POO.pptx
@@ -264,7 +264,7 @@
           <a:p>
             <a:fld id="{DDE721D5-655F-45D2-B717-3C4CD78C8568}" type="datetimeFigureOut">
               <a:rPr lang="es-MX" smtClean="0"/>
-              <a:t>29/02/2024</a:t>
+              <a:t>21/08/2024</a:t>
             </a:fld>
             <a:endParaRPr lang="es-MX" dirty="0"/>
           </a:p>
@@ -1183,7 +1183,7 @@
           <a:p>
             <a:fld id="{B3F3E716-CACC-4490-AD07-F24B6A68DE47}" type="datetimeFigureOut">
               <a:rPr lang="es-MX" smtClean="0"/>
-              <a:t>29/02/2024</a:t>
+              <a:t>21/08/2024</a:t>
             </a:fld>
             <a:endParaRPr lang="es-MX" dirty="0"/>
           </a:p>
@@ -1353,7 +1353,7 @@
           <a:p>
             <a:fld id="{B3F3E716-CACC-4490-AD07-F24B6A68DE47}" type="datetimeFigureOut">
               <a:rPr lang="es-MX" smtClean="0"/>
-              <a:t>29/02/2024</a:t>
+              <a:t>21/08/2024</a:t>
             </a:fld>
             <a:endParaRPr lang="es-MX" dirty="0"/>
           </a:p>
@@ -1533,7 +1533,7 @@
           <a:p>
             <a:fld id="{B3F3E716-CACC-4490-AD07-F24B6A68DE47}" type="datetimeFigureOut">
               <a:rPr lang="es-MX" smtClean="0"/>
-              <a:t>29/02/2024</a:t>
+              <a:t>21/08/2024</a:t>
             </a:fld>
             <a:endParaRPr lang="es-MX" dirty="0"/>
           </a:p>
@@ -1686,7 +1686,7 @@
           <a:p>
             <a:fld id="{1D8BD707-D9CF-40AE-B4C6-C98DA3205C09}" type="datetimeFigureOut">
               <a:rPr lang="en-US" smtClean="0"/>
-              <a:t>2/29/2024</a:t>
+              <a:t>8/21/2024</a:t>
             </a:fld>
             <a:endParaRPr lang="en-US" dirty="0"/>
           </a:p>
@@ -2143,7 +2143,7 @@
           <a:p>
             <a:fld id="{B3F3E716-CACC-4490-AD07-F24B6A68DE47}" type="datetimeFigureOut">
               <a:rPr lang="es-MX" smtClean="0"/>
-              <a:t>29/02/2024</a:t>
+              <a:t>21/08/2024</a:t>
             </a:fld>
             <a:endParaRPr lang="es-MX" dirty="0"/>
           </a:p>
@@ -2389,7 +2389,7 @@
           <a:p>
             <a:fld id="{B3F3E716-CACC-4490-AD07-F24B6A68DE47}" type="datetimeFigureOut">
               <a:rPr lang="es-MX" smtClean="0"/>
-              <a:t>29/02/2024</a:t>
+              <a:t>21/08/2024</a:t>
             </a:fld>
             <a:endParaRPr lang="es-MX" dirty="0"/>
           </a:p>
@@ -2677,7 +2677,7 @@
           <a:p>
             <a:fld id="{B3F3E716-CACC-4490-AD07-F24B6A68DE47}" type="datetimeFigureOut">
               <a:rPr lang="es-MX" smtClean="0"/>
-              <a:t>29/02/2024</a:t>
+              <a:t>21/08/2024</a:t>
             </a:fld>
             <a:endParaRPr lang="es-MX" dirty="0"/>
           </a:p>
@@ -3099,7 +3099,7 @@
           <a:p>
             <a:fld id="{B3F3E716-CACC-4490-AD07-F24B6A68DE47}" type="datetimeFigureOut">
               <a:rPr lang="es-MX" smtClean="0"/>
-              <a:t>29/02/2024</a:t>
+              <a:t>21/08/2024</a:t>
             </a:fld>
             <a:endParaRPr lang="es-MX" dirty="0"/>
           </a:p>
@@ -3217,7 +3217,7 @@
           <a:p>
             <a:fld id="{B3F3E716-CACC-4490-AD07-F24B6A68DE47}" type="datetimeFigureOut">
               <a:rPr lang="es-MX" smtClean="0"/>
-              <a:t>29/02/2024</a:t>
+              <a:t>21/08/2024</a:t>
             </a:fld>
             <a:endParaRPr lang="es-MX" dirty="0"/>
           </a:p>
@@ -3312,7 +3312,7 @@
           <a:p>
             <a:fld id="{B3F3E716-CACC-4490-AD07-F24B6A68DE47}" type="datetimeFigureOut">
               <a:rPr lang="es-MX" smtClean="0"/>
-              <a:t>29/02/2024</a:t>
+              <a:t>21/08/2024</a:t>
             </a:fld>
             <a:endParaRPr lang="es-MX" dirty="0"/>
           </a:p>
@@ -3589,7 +3589,7 @@
           <a:p>
             <a:fld id="{B3F3E716-CACC-4490-AD07-F24B6A68DE47}" type="datetimeFigureOut">
               <a:rPr lang="es-MX" smtClean="0"/>
-              <a:t>29/02/2024</a:t>
+              <a:t>21/08/2024</a:t>
             </a:fld>
             <a:endParaRPr lang="es-MX" dirty="0"/>
           </a:p>
@@ -3842,7 +3842,7 @@
           <a:p>
             <a:fld id="{B3F3E716-CACC-4490-AD07-F24B6A68DE47}" type="datetimeFigureOut">
               <a:rPr lang="es-MX" smtClean="0"/>
-              <a:t>29/02/2024</a:t>
+              <a:t>21/08/2024</a:t>
             </a:fld>
             <a:endParaRPr lang="es-MX" dirty="0"/>
           </a:p>
@@ -4055,7 +4055,7 @@
           <a:p>
             <a:fld id="{B3F3E716-CACC-4490-AD07-F24B6A68DE47}" type="datetimeFigureOut">
               <a:rPr lang="es-MX" smtClean="0"/>
-              <a:t>29/02/2024</a:t>
+              <a:t>21/08/2024</a:t>
             </a:fld>
             <a:endParaRPr lang="es-MX" dirty="0"/>
           </a:p>
@@ -5001,7 +5001,7 @@
         </p:nvSpPr>
         <p:spPr>
           <a:xfrm>
-            <a:off x="755576" y="3879207"/>
+            <a:off x="889659" y="3813174"/>
             <a:ext cx="4320480" cy="2448272"/>
           </a:xfrm>
           <a:prstGeom prst="rect">
@@ -6313,7 +6313,13 @@
                 </a:solidFill>
                 <a:latin typeface="Dom Casual" charset="0"/>
               </a:rPr>
-              <a:t>Objetos:</a:t>
+              <a:t>Atributos</a:t>
+            </a:r>
+            <a:r>
+              <a:rPr lang="es-ES_tradnl" altLang="es-MX" sz="2400" b="1" dirty="0">
+                <a:latin typeface="Dom Casual" charset="0"/>
+              </a:rPr>
+              <a:t>:</a:t>
             </a:r>
             <a:r>
               <a:rPr lang="es-ES_tradnl" altLang="es-MX" sz="2400" dirty="0">
@@ -6330,7 +6336,7 @@
                 </a:effectLst>
                 <a:latin typeface="Dom Casual" charset="0"/>
               </a:rPr>
-              <a:t>globo_azul, globo_rojo, globo_verde</a:t>
+              <a:t>x, y, color, diámetro</a:t>
             </a:r>
             <a:r>
               <a:rPr lang="es-ES_tradnl" altLang="es-MX" sz="2400" dirty="0">
@@ -6348,7 +6354,7 @@
                 </a:solidFill>
                 <a:latin typeface="Times New Roman" panose="02020603050405020304" pitchFamily="18" charset="0"/>
               </a:rPr>
-              <a:t>(El nombre del objeto lo asociamos con un sustantivo propio)</a:t>
+              <a:t>(son las características que tienen todos los objetos de una clase determinada)</a:t>
             </a:r>
           </a:p>
           <a:p>
@@ -6367,13 +6373,7 @@
                 </a:solidFill>
                 <a:latin typeface="Dom Casual" charset="0"/>
               </a:rPr>
-              <a:t>Atributos</a:t>
-            </a:r>
-            <a:r>
-              <a:rPr lang="es-ES_tradnl" altLang="es-MX" sz="2400" b="1" dirty="0">
-                <a:latin typeface="Dom Casual" charset="0"/>
-              </a:rPr>
-              <a:t>:</a:t>
+              <a:t>Métodos o acciones:</a:t>
             </a:r>
             <a:r>
               <a:rPr lang="es-ES_tradnl" altLang="es-MX" sz="2400" dirty="0">
@@ -6390,7 +6390,7 @@
                 </a:effectLst>
                 <a:latin typeface="Dom Casual" charset="0"/>
               </a:rPr>
-              <a:t>x, y, color, diámetro</a:t>
+              <a:t>dibujar_globo</a:t>
             </a:r>
             <a:r>
               <a:rPr lang="es-ES_tradnl" altLang="es-MX" sz="2400" dirty="0">
@@ -6408,7 +6408,7 @@
                 </a:solidFill>
                 <a:latin typeface="Times New Roman" panose="02020603050405020304" pitchFamily="18" charset="0"/>
               </a:rPr>
-              <a:t>(son las características que tienen todos los objetos de una clase determinada)</a:t>
+              <a:t>(el nombre de los métodos o comportamientos lo asociamos con un verbo)</a:t>
             </a:r>
           </a:p>
           <a:p>
@@ -6427,13 +6427,24 @@
                 </a:solidFill>
                 <a:latin typeface="Dom Casual" charset="0"/>
               </a:rPr>
-              <a:t>Métodos o acciones:</a:t>
+              <a:t>Objetos:</a:t>
             </a:r>
             <a:r>
               <a:rPr lang="es-ES_tradnl" altLang="es-MX" sz="2400" dirty="0">
                 <a:latin typeface="Dom Casual" charset="0"/>
               </a:rPr>
               <a:t> </a:t>
+            </a:r>
+            <a:r>
+              <a:rPr lang="es-ES_tradnl" altLang="es-MX" sz="2400" b="1" dirty="0" err="1">
+                <a:effectLst>
+                  <a:outerShdw blurRad="38100" dist="38100" dir="2700000" algn="tl">
+                    <a:srgbClr val="C0C0C0"/>
+                  </a:outerShdw>
+                </a:effectLst>
+                <a:latin typeface="Dom Casual" charset="0"/>
+              </a:rPr>
+              <a:t>globo_azul</a:t>
             </a:r>
             <a:r>
               <a:rPr lang="es-ES_tradnl" altLang="es-MX" sz="2400" b="1" dirty="0">
@@ -6444,7 +6455,40 @@
                 </a:effectLst>
                 <a:latin typeface="Dom Casual" charset="0"/>
               </a:rPr>
-              <a:t>dibujar_globo</a:t>
+              <a:t>, </a:t>
+            </a:r>
+            <a:r>
+              <a:rPr lang="es-ES_tradnl" altLang="es-MX" sz="2400" b="1" dirty="0" err="1">
+                <a:effectLst>
+                  <a:outerShdw blurRad="38100" dist="38100" dir="2700000" algn="tl">
+                    <a:srgbClr val="C0C0C0"/>
+                  </a:outerShdw>
+                </a:effectLst>
+                <a:latin typeface="Dom Casual" charset="0"/>
+              </a:rPr>
+              <a:t>globo_rojo</a:t>
+            </a:r>
+            <a:r>
+              <a:rPr lang="es-ES_tradnl" altLang="es-MX" sz="2400" b="1" dirty="0">
+                <a:effectLst>
+                  <a:outerShdw blurRad="38100" dist="38100" dir="2700000" algn="tl">
+                    <a:srgbClr val="C0C0C0"/>
+                  </a:outerShdw>
+                </a:effectLst>
+                <a:latin typeface="Dom Casual" charset="0"/>
+              </a:rPr>
+              <a:t>, </a:t>
+            </a:r>
+            <a:r>
+              <a:rPr lang="es-ES_tradnl" altLang="es-MX" sz="2400" b="1" dirty="0" err="1">
+                <a:effectLst>
+                  <a:outerShdw blurRad="38100" dist="38100" dir="2700000" algn="tl">
+                    <a:srgbClr val="C0C0C0"/>
+                  </a:outerShdw>
+                </a:effectLst>
+                <a:latin typeface="Dom Casual" charset="0"/>
+              </a:rPr>
+              <a:t>globo_verde</a:t>
             </a:r>
             <a:r>
               <a:rPr lang="es-ES_tradnl" altLang="es-MX" sz="2400" dirty="0">
@@ -6462,8 +6506,27 @@
                 </a:solidFill>
                 <a:latin typeface="Times New Roman" panose="02020603050405020304" pitchFamily="18" charset="0"/>
               </a:rPr>
-              <a:t>(el nombre de los métodos o comportamientos lo asociamos con un verbo)</a:t>
-            </a:r>
+              <a:t>(El nombre del objeto lo asociamos con un sustantivo propio)</a:t>
+            </a:r>
+          </a:p>
+          <a:p>
+            <a:pPr>
+              <a:lnSpc>
+                <a:spcPct val="120000"/>
+              </a:lnSpc>
+              <a:spcBef>
+                <a:spcPct val="30000"/>
+              </a:spcBef>
+            </a:pPr>
+            <a:endParaRPr lang="es-ES_tradnl" altLang="es-MX" sz="2100" i="1" dirty="0">
+              <a:solidFill>
+                <a:schemeClr val="tx1">
+                  <a:lumMod val="95000"/>
+                  <a:lumOff val="5000"/>
+                </a:schemeClr>
+              </a:solidFill>
+              <a:latin typeface="Times New Roman" panose="02020603050405020304" pitchFamily="18" charset="0"/>
+            </a:endParaRPr>
           </a:p>
         </p:txBody>
       </p:sp>
@@ -28273,6 +28336,53 @@
           </a:p>
         </p:txBody>
       </p:sp>
+      <p:sp>
+        <p:nvSpPr>
+          <p:cNvPr id="3" name="Rectángulo 4">
+            <a:extLst>
+              <a:ext uri="{FF2B5EF4-FFF2-40B4-BE49-F238E27FC236}">
+                <a16:creationId xmlns:a16="http://schemas.microsoft.com/office/drawing/2014/main" id="{DEA605EA-B556-3362-43F2-6B15F29D486C}"/>
+              </a:ext>
+            </a:extLst>
+          </p:cNvPr>
+          <p:cNvSpPr/>
+          <p:nvPr/>
+        </p:nvSpPr>
+        <p:spPr>
+          <a:xfrm>
+            <a:off x="350560" y="1874703"/>
+            <a:ext cx="2061199" cy="2850441"/>
+          </a:xfrm>
+          <a:prstGeom prst="rect">
+            <a:avLst/>
+          </a:prstGeom>
+          <a:noFill/>
+        </p:spPr>
+        <p:style>
+          <a:lnRef idx="2">
+            <a:schemeClr val="accent1">
+              <a:shade val="50000"/>
+            </a:schemeClr>
+          </a:lnRef>
+          <a:fillRef idx="1">
+            <a:schemeClr val="accent1"/>
+          </a:fillRef>
+          <a:effectRef idx="0">
+            <a:schemeClr val="accent1"/>
+          </a:effectRef>
+          <a:fontRef idx="minor">
+            <a:schemeClr val="lt1"/>
+          </a:fontRef>
+        </p:style>
+        <p:txBody>
+          <a:bodyPr rtlCol="0" anchor="ctr"/>
+          <a:lstStyle/>
+          <a:p>
+            <a:pPr algn="ctr"/>
+            <a:endParaRPr lang="es-MX" dirty="0"/>
+          </a:p>
+        </p:txBody>
+      </p:sp>
     </p:spTree>
     <p:extLst>
       <p:ext uri="{BB962C8B-B14F-4D97-AF65-F5344CB8AC3E}">
@@ -30130,6 +30240,53 @@
           </a:p>
         </p:txBody>
       </p:sp>
+      <p:sp>
+        <p:nvSpPr>
+          <p:cNvPr id="5" name="Rectángulo 4">
+            <a:extLst>
+              <a:ext uri="{FF2B5EF4-FFF2-40B4-BE49-F238E27FC236}">
+                <a16:creationId xmlns:a16="http://schemas.microsoft.com/office/drawing/2014/main" id="{87A4D32F-1960-1CE8-66DB-CE1DDD327E2B}"/>
+              </a:ext>
+            </a:extLst>
+          </p:cNvPr>
+          <p:cNvSpPr/>
+          <p:nvPr/>
+        </p:nvSpPr>
+        <p:spPr>
+          <a:xfrm>
+            <a:off x="1194608" y="2624372"/>
+            <a:ext cx="2945344" cy="1308684"/>
+          </a:xfrm>
+          <a:prstGeom prst="rect">
+            <a:avLst/>
+          </a:prstGeom>
+          <a:noFill/>
+        </p:spPr>
+        <p:style>
+          <a:lnRef idx="2">
+            <a:schemeClr val="accent1">
+              <a:shade val="50000"/>
+            </a:schemeClr>
+          </a:lnRef>
+          <a:fillRef idx="1">
+            <a:schemeClr val="accent1"/>
+          </a:fillRef>
+          <a:effectRef idx="0">
+            <a:schemeClr val="accent1"/>
+          </a:effectRef>
+          <a:fontRef idx="minor">
+            <a:schemeClr val="lt1"/>
+          </a:fontRef>
+        </p:style>
+        <p:txBody>
+          <a:bodyPr rtlCol="0" anchor="ctr"/>
+          <a:lstStyle/>
+          <a:p>
+            <a:pPr algn="ctr"/>
+            <a:endParaRPr lang="es-MX" dirty="0"/>
+          </a:p>
+        </p:txBody>
+      </p:sp>
     </p:spTree>
     <p:extLst>
       <p:ext uri="{BB962C8B-B14F-4D97-AF65-F5344CB8AC3E}">
@@ -30327,7 +30484,7 @@
         <p:spPr>
           <a:xfrm>
             <a:off x="1259632" y="4221088"/>
-            <a:ext cx="2592288" cy="677310"/>
+            <a:ext cx="2736304" cy="936104"/>
           </a:xfrm>
           <a:prstGeom prst="rect">
             <a:avLst/>
@@ -31443,8 +31600,8 @@
         </p:blipFill>
         <p:spPr>
           <a:xfrm>
-            <a:off x="4067944" y="3322633"/>
-            <a:ext cx="3960440" cy="2096704"/>
+            <a:off x="4067943" y="3322632"/>
+            <a:ext cx="4038929" cy="2138257"/>
           </a:xfrm>
           <a:prstGeom prst="rect">
             <a:avLst/>
@@ -31546,6 +31703,53 @@
               </a:solidFill>
               <a:latin typeface="Dom Casual" charset="0"/>
             </a:endParaRPr>
+          </a:p>
+        </p:txBody>
+      </p:sp>
+      <p:sp>
+        <p:nvSpPr>
+          <p:cNvPr id="3" name="Rectángulo 4">
+            <a:extLst>
+              <a:ext uri="{FF2B5EF4-FFF2-40B4-BE49-F238E27FC236}">
+                <a16:creationId xmlns:a16="http://schemas.microsoft.com/office/drawing/2014/main" id="{06775027-6A80-CBB6-CC64-62142CC1EF0F}"/>
+              </a:ext>
+            </a:extLst>
+          </p:cNvPr>
+          <p:cNvSpPr/>
+          <p:nvPr/>
+        </p:nvSpPr>
+        <p:spPr>
+          <a:xfrm>
+            <a:off x="1037127" y="3152981"/>
+            <a:ext cx="2310737" cy="2266356"/>
+          </a:xfrm>
+          <a:prstGeom prst="rect">
+            <a:avLst/>
+          </a:prstGeom>
+          <a:noFill/>
+        </p:spPr>
+        <p:style>
+          <a:lnRef idx="2">
+            <a:schemeClr val="accent1">
+              <a:shade val="50000"/>
+            </a:schemeClr>
+          </a:lnRef>
+          <a:fillRef idx="1">
+            <a:schemeClr val="accent1"/>
+          </a:fillRef>
+          <a:effectRef idx="0">
+            <a:schemeClr val="accent1"/>
+          </a:effectRef>
+          <a:fontRef idx="minor">
+            <a:schemeClr val="lt1"/>
+          </a:fontRef>
+        </p:style>
+        <p:txBody>
+          <a:bodyPr rtlCol="0" anchor="ctr"/>
+          <a:lstStyle/>
+          <a:p>
+            <a:pPr algn="ctr"/>
+            <a:endParaRPr lang="es-MX" dirty="0"/>
           </a:p>
         </p:txBody>
       </p:sp>
@@ -31832,7 +32036,7 @@
                 </a:solidFill>
                 <a:latin typeface="Dom Casual" charset="0"/>
               </a:rPr>
-              <a:t> que imprime un </a:t>
+              <a:t> que regresa un </a:t>
             </a:r>
             <a:r>
               <a:rPr lang="es-ES" altLang="es-MX" sz="1400" dirty="0" err="1">
@@ -31846,7 +32050,7 @@
               <a:t>string</a:t>
             </a:r>
             <a:r>
-              <a:rPr lang="es-ES" altLang="es-MX" sz="1400">
+              <a:rPr lang="es-ES" altLang="es-MX" sz="1400" dirty="0">
                 <a:solidFill>
                   <a:schemeClr val="bg2">
                     <a:lumMod val="10000"/>
@@ -31854,18 +32058,7 @@
                 </a:solidFill>
                 <a:latin typeface="Dom Casual" charset="0"/>
               </a:rPr>
-              <a:t> con </a:t>
-            </a:r>
-            <a:r>
-              <a:rPr lang="es-ES" altLang="es-MX" sz="1400" dirty="0">
-                <a:solidFill>
-                  <a:schemeClr val="bg2">
-                    <a:lumMod val="10000"/>
-                  </a:schemeClr>
-                </a:solidFill>
-                <a:latin typeface="Dom Casual" charset="0"/>
-              </a:rPr>
-              <a:t>la concatenación de los </a:t>
+              <a:t> con la concatenación de los </a:t>
             </a:r>
             <a:r>
               <a:rPr lang="es-ES" altLang="es-MX" sz="1400" b="1" dirty="0">
@@ -33776,7 +33969,7 @@
         </p:blipFill>
         <p:spPr>
           <a:xfrm>
-            <a:off x="1763688" y="3117260"/>
+            <a:off x="1979712" y="2987941"/>
             <a:ext cx="5904656" cy="3709513"/>
           </a:xfrm>
           <a:prstGeom prst="rect">
